--- a/_site/translations/pt-br/intermediate/DataWires.pptx
+++ b/_site/translations/pt-br/intermediate/DataWires.pptx
@@ -2,7 +2,7 @@
 <file path=ppt/presentation.xml><?xml version="1.0" encoding="utf-8"?>
 <p:presentation xmlns:a="http://schemas.openxmlformats.org/drawingml/2006/main" xmlns:r="http://schemas.openxmlformats.org/officeDocument/2006/relationships" xmlns:p="http://schemas.openxmlformats.org/presentationml/2006/main" showSpecialPlsOnTitleSld="0" saveSubsetFonts="1">
   <p:sldMasterIdLst>
-    <p:sldMasterId id="2147483835" r:id="rId1"/>
+    <p:sldMasterId id="2147483847" r:id="rId1"/>
   </p:sldMasterIdLst>
   <p:notesMasterIdLst>
     <p:notesMasterId r:id="rId14"/>
@@ -123,7 +123,7 @@
   </p:defaultTextStyle>
   <p:extLst>
     <p:ext uri="{EFAFB233-063F-42B5-8137-9DF3F51BA10A}">
-      <p15:sldGuideLst xmlns:p15="http://schemas.microsoft.com/office/powerpoint/2012/main" xmlns="">
+      <p15:sldGuideLst xmlns:p15="http://schemas.microsoft.com/office/powerpoint/2012/main">
         <p15:guide id="1" orient="horz" pos="2160">
           <p15:clr>
             <a:srgbClr val="A4A3A4"/>
@@ -222,7 +222,7 @@
           <a:p>
             <a:fld id="{E354B44E-40A3-0E46-B16A-9BF1250A248B}" type="datetimeFigureOut">
               <a:rPr lang="en-US" smtClean="0"/>
-              <a:t>11/20/2015</a:t>
+              <a:t>2/11/17</a:t>
             </a:fld>
             <a:endParaRPr lang="en-US"/>
           </a:p>
@@ -288,7 +288,7 @@
           <a:p>
             <a:fld id="{ACDF1604-CF25-2840-A4A3-96CDE3604995}" type="slidenum">
               <a:rPr lang="en-US" smtClean="0"/>
-              <a:t>‹nº›</a:t>
+              <a:t>‹#›</a:t>
             </a:fld>
             <a:endParaRPr lang="en-US"/>
           </a:p>
@@ -388,7 +388,7 @@
           <a:p>
             <a:fld id="{C86AD16C-2DB4-6642-BAD4-9ED973A087A0}" type="datetimeFigureOut">
               <a:rPr lang="en-US" smtClean="0"/>
-              <a:t>11/20/2015</a:t>
+              <a:t>2/11/17</a:t>
             </a:fld>
             <a:endParaRPr lang="en-US"/>
           </a:p>
@@ -547,7 +547,7 @@
           <a:p>
             <a:fld id="{1E5BF589-3978-3C45-966B-D7B7A71F2A02}" type="slidenum">
               <a:rPr lang="en-US" smtClean="0"/>
-              <a:t>‹nº›</a:t>
+              <a:t>‹#›</a:t>
             </a:fld>
             <a:endParaRPr lang="en-US"/>
           </a:p>
@@ -808,15 +808,15 @@
         </p:nvSpPr>
         <p:spPr>
           <a:xfrm>
-            <a:off x="373553" y="471740"/>
-            <a:ext cx="4857665" cy="2001435"/>
+            <a:off x="196279" y="154094"/>
+            <a:ext cx="3853207" cy="1870649"/>
           </a:xfrm>
           <a:ln>
             <a:noFill/>
           </a:ln>
         </p:spPr>
         <p:txBody>
-          <a:bodyPr anchor="b">
+          <a:bodyPr anchor="ctr">
             <a:normAutofit/>
           </a:bodyPr>
           <a:lstStyle>
@@ -824,7 +824,7 @@
               <a:lnSpc>
                 <a:spcPct val="85000"/>
               </a:lnSpc>
-              <a:defRPr sz="5400" spc="-50" baseline="0">
+              <a:defRPr sz="4000" spc="-50" baseline="0">
                 <a:solidFill>
                   <a:schemeClr val="tx1">
                     <a:lumMod val="85000"/>
@@ -837,7 +837,7 @@
           <a:p>
             <a:r>
               <a:rPr lang="en-US" dirty="0" smtClean="0"/>
-              <a:t>INTERMEDIATE PROGRAMMING LESSON</a:t>
+              <a:t>LIÇÃO DE PROGRAMAÇÃO INTERMEDIÁRIA</a:t>
             </a:r>
             <a:endParaRPr lang="en-US" dirty="0"/>
           </a:p>
@@ -908,7 +908,7 @@
           </a:lstStyle>
           <a:p>
             <a:r>
-              <a:rPr lang="en-US" dirty="0" smtClean="0"/>
+              <a:rPr lang="en-US" smtClean="0"/>
               <a:t>Click to edit Master subtitle style</a:t>
             </a:r>
             <a:endParaRPr lang="en-US" dirty="0"/>
@@ -932,7 +932,7 @@
           <a:p>
             <a:fld id="{6B13CFBD-0392-DF42-9C65-6D1DE0580181}" type="datetime1">
               <a:rPr lang="en-US" smtClean="0"/>
-              <a:t>11/20/2015</a:t>
+              <a:t>2/11/17</a:t>
             </a:fld>
             <a:endParaRPr lang="en-US"/>
           </a:p>
@@ -978,7 +978,7 @@
           <a:p>
             <a:fld id="{7F5CE407-6216-4202-80E4-A30DC2F709B2}" type="slidenum">
               <a:rPr lang="en-US" smtClean="0"/>
-              <a:t>‹nº›</a:t>
+              <a:t>‹#›</a:t>
             </a:fld>
             <a:endParaRPr lang="en-US"/>
           </a:p>
@@ -1026,7 +1026,7 @@
         <p:nvSpPr>
           <p:cNvPr id="10" name="Rectangle 9"/>
           <p:cNvSpPr/>
-          <p:nvPr userDrawn="1"/>
+          <p:nvPr/>
         </p:nvSpPr>
         <p:spPr>
           <a:xfrm>
@@ -1064,7 +1064,7 @@
         <p:nvSpPr>
           <p:cNvPr id="11" name="Rectangle 10"/>
           <p:cNvSpPr/>
-          <p:nvPr userDrawn="1"/>
+          <p:nvPr/>
         </p:nvSpPr>
         <p:spPr>
           <a:xfrm>
@@ -1100,14 +1100,14 @@
       </p:sp>
       <p:sp>
         <p:nvSpPr>
-          <p:cNvPr id="13" name="TextBox 12"/>
+          <p:cNvPr id="8" name="TextBox 7"/>
           <p:cNvSpPr txBox="1"/>
-          <p:nvPr userDrawn="1"/>
+          <p:nvPr/>
         </p:nvSpPr>
         <p:spPr>
           <a:xfrm>
-            <a:off x="1481621" y="5931894"/>
-            <a:ext cx="2391085" cy="369332"/>
+            <a:off x="2363695" y="3959525"/>
+            <a:ext cx="4373593" cy="369332"/>
           </a:xfrm>
           <a:prstGeom prst="rect">
             <a:avLst/>
@@ -1120,58 +1120,35 @@
           </a:bodyPr>
           <a:lstStyle/>
           <a:p>
-            <a:r>
-              <a:rPr lang="en-US" dirty="0" smtClean="0"/>
-              <a:t>By </a:t>
-            </a:r>
-            <a:r>
-              <a:rPr lang="en-US" smtClean="0"/>
-              <a:t>Droids Robotics</a:t>
-            </a:r>
-            <a:endParaRPr lang="en-US"/>
+            <a:pPr algn="ctr"/>
+            <a:r>
+              <a:rPr lang="en-US" dirty="0">
+                <a:latin typeface="+mj-lt"/>
+              </a:rPr>
+              <a:t>By</a:t>
+            </a:r>
+            <a:r>
+              <a:rPr lang="en-US" baseline="0" dirty="0">
+                <a:latin typeface="+mj-lt"/>
+              </a:rPr>
+              <a:t> Sanjay and Arvind Seshan</a:t>
+            </a:r>
+            <a:endParaRPr lang="en-US" dirty="0">
+              <a:latin typeface="+mj-lt"/>
+            </a:endParaRPr>
           </a:p>
         </p:txBody>
       </p:sp>
       <p:pic>
         <p:nvPicPr>
-          <p:cNvPr id="14" name="Picture 13"/>
-          <p:cNvPicPr>
-            <a:picLocks noChangeAspect="1"/>
-          </p:cNvPicPr>
-          <p:nvPr userDrawn="1"/>
-        </p:nvPicPr>
-        <p:blipFill>
-          <a:blip r:embed="rId2" cstate="email">
-            <a:extLst>
-              <a:ext uri="{28A0092B-C50C-407E-A947-70E740481C1C}">
-                <a14:useLocalDpi xmlns:a14="http://schemas.microsoft.com/office/drawing/2010/main" val="0"/>
-              </a:ext>
-            </a:extLst>
-          </a:blip>
-          <a:stretch>
-            <a:fillRect/>
-          </a:stretch>
-        </p:blipFill>
-        <p:spPr>
-          <a:xfrm>
-            <a:off x="164036" y="4938756"/>
-            <a:ext cx="1317585" cy="1260490"/>
-          </a:xfrm>
-          <a:prstGeom prst="rect">
-            <a:avLst/>
-          </a:prstGeom>
-        </p:spPr>
-      </p:pic>
-      <p:pic>
-        <p:nvPicPr>
-          <p:cNvPr id="15" name="Picture 14" descr="EV3Lessons.com"/>
+          <p:cNvPr id="1026" name="Picture 2" descr="EV3Lessons.com"/>
           <p:cNvPicPr>
             <a:picLocks noChangeAspect="1" noChangeArrowheads="1"/>
           </p:cNvPicPr>
-          <p:nvPr userDrawn="1"/>
+          <p:nvPr/>
         </p:nvPicPr>
         <p:blipFill>
-          <a:blip r:embed="rId3" cstate="email">
+          <a:blip r:embed="rId2">
             <a:extLst>
               <a:ext uri="{28A0092B-C50C-407E-A947-70E740481C1C}">
                 <a14:useLocalDpi xmlns:a14="http://schemas.microsoft.com/office/drawing/2010/main" val="0"/>
@@ -1185,8 +1162,8 @@
         </p:blipFill>
         <p:spPr bwMode="auto">
           <a:xfrm>
-            <a:off x="5422605" y="409394"/>
-            <a:ext cx="3487140" cy="1295224"/>
+            <a:off x="3955687" y="139554"/>
+            <a:ext cx="5075507" cy="1885189"/>
           </a:xfrm>
           <a:prstGeom prst="rect">
             <a:avLst/>
@@ -1203,12 +1180,84 @@
           </a:extLst>
         </p:spPr>
       </p:pic>
+      <p:sp>
+        <p:nvSpPr>
+          <p:cNvPr id="13" name="Rectangle 12"/>
+          <p:cNvSpPr/>
+          <p:nvPr userDrawn="1"/>
+        </p:nvSpPr>
+        <p:spPr>
+          <a:xfrm>
+            <a:off x="0" y="6334315"/>
+            <a:ext cx="4487333" cy="92382"/>
+          </a:xfrm>
+          <a:prstGeom prst="rect">
+            <a:avLst/>
+          </a:prstGeom>
+          <a:solidFill>
+            <a:srgbClr val="00B050"/>
+          </a:solidFill>
+          <a:ln>
+            <a:noFill/>
+          </a:ln>
+        </p:spPr>
+        <p:style>
+          <a:lnRef idx="2">
+            <a:schemeClr val="accent1">
+              <a:shade val="50000"/>
+            </a:schemeClr>
+          </a:lnRef>
+          <a:fillRef idx="1">
+            <a:schemeClr val="accent1"/>
+          </a:fillRef>
+          <a:effectRef idx="0">
+            <a:schemeClr val="accent1"/>
+          </a:effectRef>
+          <a:fontRef idx="minor">
+            <a:schemeClr val="lt1"/>
+          </a:fontRef>
+        </p:style>
+      </p:sp>
+      <p:sp>
+        <p:nvSpPr>
+          <p:cNvPr id="14" name="Rectangle 13"/>
+          <p:cNvSpPr/>
+          <p:nvPr userDrawn="1"/>
+        </p:nvSpPr>
+        <p:spPr>
+          <a:xfrm>
+            <a:off x="4487333" y="6334315"/>
+            <a:ext cx="4656667" cy="92382"/>
+          </a:xfrm>
+          <a:prstGeom prst="rect">
+            <a:avLst/>
+          </a:prstGeom>
+          <a:solidFill>
+            <a:srgbClr val="7030A0"/>
+          </a:solidFill>
+          <a:ln>
+            <a:noFill/>
+          </a:ln>
+        </p:spPr>
+        <p:style>
+          <a:lnRef idx="2">
+            <a:schemeClr val="accent1">
+              <a:shade val="50000"/>
+            </a:schemeClr>
+          </a:lnRef>
+          <a:fillRef idx="1">
+            <a:schemeClr val="accent1"/>
+          </a:fillRef>
+          <a:effectRef idx="0">
+            <a:schemeClr val="accent1"/>
+          </a:effectRef>
+          <a:fontRef idx="minor">
+            <a:schemeClr val="lt1"/>
+          </a:fontRef>
+        </p:style>
+      </p:sp>
     </p:spTree>
-    <p:extLst>
-      <p:ext uri="{BB962C8B-B14F-4D97-AF65-F5344CB8AC3E}">
-        <p14:creationId xmlns:p14="http://schemas.microsoft.com/office/powerpoint/2010/main" val="1056708516"/>
-      </p:ext>
-    </p:extLst>
+    <p:extLst/>
   </p:cSld>
   <p:clrMapOvr>
     <a:masterClrMapping/>
@@ -1325,7 +1374,7 @@
           <a:p>
             <a:fld id="{BF0F175E-9EAC-E14B-B7AC-8C8F25EC1DAA}" type="datetime1">
               <a:rPr lang="en-US" smtClean="0"/>
-              <a:t>11/20/2015</a:t>
+              <a:t>2/11/17</a:t>
             </a:fld>
             <a:endParaRPr lang="en-US"/>
           </a:p>
@@ -1371,18 +1420,14 @@
           <a:p>
             <a:fld id="{4382A7F7-08BF-4252-8141-63FB96055BBB}" type="slidenum">
               <a:rPr lang="en-US" smtClean="0"/>
-              <a:t>‹nº›</a:t>
+              <a:t>‹#›</a:t>
             </a:fld>
             <a:endParaRPr lang="en-US"/>
           </a:p>
         </p:txBody>
       </p:sp>
     </p:spTree>
-    <p:extLst>
-      <p:ext uri="{BB962C8B-B14F-4D97-AF65-F5344CB8AC3E}">
-        <p14:creationId xmlns:p14="http://schemas.microsoft.com/office/powerpoint/2010/main" val="2009486756"/>
-      </p:ext>
-    </p:extLst>
+    <p:extLst/>
   </p:cSld>
   <p:clrMapOvr>
     <a:masterClrMapping/>
@@ -1585,7 +1630,7 @@
           <a:p>
             <a:fld id="{ABE2FCFC-C57A-2442-884C-F5C58B3A2465}" type="datetime1">
               <a:rPr lang="en-US" smtClean="0"/>
-              <a:t>11/20/2015</a:t>
+              <a:t>2/11/17</a:t>
             </a:fld>
             <a:endParaRPr lang="en-US"/>
           </a:p>
@@ -1631,18 +1676,14 @@
           <a:p>
             <a:fld id="{4382A7F7-08BF-4252-8141-63FB96055BBB}" type="slidenum">
               <a:rPr lang="en-US" smtClean="0"/>
-              <a:t>‹nº›</a:t>
+              <a:t>‹#›</a:t>
             </a:fld>
             <a:endParaRPr lang="en-US"/>
           </a:p>
         </p:txBody>
       </p:sp>
     </p:spTree>
-    <p:extLst>
-      <p:ext uri="{BB962C8B-B14F-4D97-AF65-F5344CB8AC3E}">
-        <p14:creationId xmlns:p14="http://schemas.microsoft.com/office/powerpoint/2010/main" val="2116075370"/>
-      </p:ext>
-    </p:extLst>
+    <p:extLst/>
   </p:cSld>
   <p:clrMapOvr>
     <a:masterClrMapping/>
@@ -1759,7 +1800,7 @@
           <a:p>
             <a:fld id="{6964D4EB-A2A3-5D46-A2E3-B082D53C11C5}" type="datetime1">
               <a:rPr lang="en-US" smtClean="0"/>
-              <a:t>11/20/2015</a:t>
+              <a:t>2/11/17</a:t>
             </a:fld>
             <a:endParaRPr lang="en-US"/>
           </a:p>
@@ -1805,18 +1846,14 @@
           <a:p>
             <a:fld id="{4382A7F7-08BF-4252-8141-63FB96055BBB}" type="slidenum">
               <a:rPr lang="en-US" smtClean="0"/>
-              <a:t>‹nº›</a:t>
+              <a:t>‹#›</a:t>
             </a:fld>
             <a:endParaRPr lang="en-US"/>
           </a:p>
         </p:txBody>
       </p:sp>
     </p:spTree>
-    <p:extLst>
-      <p:ext uri="{BB962C8B-B14F-4D97-AF65-F5344CB8AC3E}">
-        <p14:creationId xmlns:p14="http://schemas.microsoft.com/office/powerpoint/2010/main" val="410267722"/>
-      </p:ext>
-    </p:extLst>
+    <p:extLst/>
   </p:cSld>
   <p:clrMapOvr>
     <a:masterClrMapping/>
@@ -2106,7 +2143,7 @@
           <a:p>
             <a:fld id="{719062A6-538C-914A-A4D7-9D77EAAE33AB}" type="datetime1">
               <a:rPr lang="en-US" smtClean="0"/>
-              <a:t>11/20/2015</a:t>
+              <a:t>2/11/17</a:t>
             </a:fld>
             <a:endParaRPr lang="en-US"/>
           </a:p>
@@ -2152,7 +2189,7 @@
           <a:p>
             <a:fld id="{162F1D00-BD13-4404-86B0-79703945A0A7}" type="slidenum">
               <a:rPr lang="en-US" smtClean="0"/>
-              <a:t>‹nº›</a:t>
+              <a:t>‹#›</a:t>
             </a:fld>
             <a:endParaRPr lang="en-US"/>
           </a:p>
@@ -2197,11 +2234,7 @@
         </p:style>
       </p:cxnSp>
     </p:spTree>
-    <p:extLst>
-      <p:ext uri="{BB962C8B-B14F-4D97-AF65-F5344CB8AC3E}">
-        <p14:creationId xmlns:p14="http://schemas.microsoft.com/office/powerpoint/2010/main" val="1947096784"/>
-      </p:ext>
-    </p:extLst>
+    <p:extLst/>
   </p:cSld>
   <p:clrMapOvr>
     <a:masterClrMapping/>
@@ -2385,7 +2418,7 @@
           <a:p>
             <a:fld id="{FBA86DE5-4727-3C44-A125-458AC819E1C1}" type="datetime1">
               <a:rPr lang="en-US" smtClean="0"/>
-              <a:t>11/20/2015</a:t>
+              <a:t>2/11/17</a:t>
             </a:fld>
             <a:endParaRPr lang="en-US"/>
           </a:p>
@@ -2427,18 +2460,14 @@
           <a:p>
             <a:fld id="{4382A7F7-08BF-4252-8141-63FB96055BBB}" type="slidenum">
               <a:rPr lang="en-US" smtClean="0"/>
-              <a:t>‹nº›</a:t>
+              <a:t>‹#›</a:t>
             </a:fld>
             <a:endParaRPr lang="en-US"/>
           </a:p>
         </p:txBody>
       </p:sp>
     </p:spTree>
-    <p:extLst>
-      <p:ext uri="{BB962C8B-B14F-4D97-AF65-F5344CB8AC3E}">
-        <p14:creationId xmlns:p14="http://schemas.microsoft.com/office/powerpoint/2010/main" val="1499835702"/>
-      </p:ext>
-    </p:extLst>
+    <p:extLst/>
   </p:cSld>
   <p:clrMapOvr>
     <a:masterClrMapping/>
@@ -2764,7 +2793,7 @@
           <a:p>
             <a:fld id="{18F252B0-687D-184F-B682-0021640A5D63}" type="datetime1">
               <a:rPr lang="en-US" smtClean="0"/>
-              <a:t>11/20/2015</a:t>
+              <a:t>2/11/17</a:t>
             </a:fld>
             <a:endParaRPr lang="en-US"/>
           </a:p>
@@ -2810,18 +2839,14 @@
           <a:p>
             <a:fld id="{4382A7F7-08BF-4252-8141-63FB96055BBB}" type="slidenum">
               <a:rPr lang="en-US" smtClean="0"/>
-              <a:t>‹nº›</a:t>
+              <a:t>‹#›</a:t>
             </a:fld>
             <a:endParaRPr lang="en-US"/>
           </a:p>
         </p:txBody>
       </p:sp>
     </p:spTree>
-    <p:extLst>
-      <p:ext uri="{BB962C8B-B14F-4D97-AF65-F5344CB8AC3E}">
-        <p14:creationId xmlns:p14="http://schemas.microsoft.com/office/powerpoint/2010/main" val="575595028"/>
-      </p:ext>
-    </p:extLst>
+    <p:extLst/>
   </p:cSld>
   <p:clrMapOvr>
     <a:masterClrMapping/>
@@ -2886,7 +2911,7 @@
           <a:p>
             <a:fld id="{3457AD7A-12C8-EA48-9011-B2F46261DD98}" type="datetime1">
               <a:rPr lang="en-US" smtClean="0"/>
-              <a:t>11/20/2015</a:t>
+              <a:t>2/11/17</a:t>
             </a:fld>
             <a:endParaRPr lang="en-US"/>
           </a:p>
@@ -2932,18 +2957,14 @@
           <a:p>
             <a:fld id="{4382A7F7-08BF-4252-8141-63FB96055BBB}" type="slidenum">
               <a:rPr lang="en-US" smtClean="0"/>
-              <a:t>‹nº›</a:t>
+              <a:t>‹#›</a:t>
             </a:fld>
             <a:endParaRPr lang="en-US"/>
           </a:p>
         </p:txBody>
       </p:sp>
     </p:spTree>
-    <p:extLst>
-      <p:ext uri="{BB962C8B-B14F-4D97-AF65-F5344CB8AC3E}">
-        <p14:creationId xmlns:p14="http://schemas.microsoft.com/office/powerpoint/2010/main" val="1759289508"/>
-      </p:ext>
-    </p:extLst>
+    <p:extLst/>
   </p:cSld>
   <p:clrMapOvr>
     <a:masterClrMapping/>
@@ -3061,7 +3082,7 @@
           <a:p>
             <a:fld id="{77D3C5C7-2346-9A49-8660-921460E2744B}" type="datetime1">
               <a:rPr lang="en-US" smtClean="0"/>
-              <a:t>11/20/2015</a:t>
+              <a:t>2/11/17</a:t>
             </a:fld>
             <a:endParaRPr lang="en-US"/>
           </a:p>
@@ -3115,18 +3136,14 @@
           <a:p>
             <a:fld id="{4382A7F7-08BF-4252-8141-63FB96055BBB}" type="slidenum">
               <a:rPr lang="en-US" smtClean="0"/>
-              <a:t>‹nº›</a:t>
+              <a:t>‹#›</a:t>
             </a:fld>
             <a:endParaRPr lang="en-US"/>
           </a:p>
         </p:txBody>
       </p:sp>
     </p:spTree>
-    <p:extLst>
-      <p:ext uri="{BB962C8B-B14F-4D97-AF65-F5344CB8AC3E}">
-        <p14:creationId xmlns:p14="http://schemas.microsoft.com/office/powerpoint/2010/main" val="1823909060"/>
-      </p:ext>
-    </p:extLst>
+    <p:extLst/>
   </p:cSld>
   <p:clrMapOvr>
     <a:masterClrMapping/>
@@ -3419,7 +3436,7 @@
           <a:p>
             <a:fld id="{E5A27797-1683-ED47-A74A-6DEBEDA39DC8}" type="datetime1">
               <a:rPr lang="en-US" smtClean="0"/>
-              <a:t>11/20/2015</a:t>
+              <a:t>2/11/17</a:t>
             </a:fld>
             <a:endParaRPr lang="en-US"/>
           </a:p>
@@ -3486,18 +3503,14 @@
           <a:p>
             <a:fld id="{7F5CE407-6216-4202-80E4-A30DC2F709B2}" type="slidenum">
               <a:rPr lang="en-US" smtClean="0"/>
-              <a:t>‹nº›</a:t>
+              <a:t>‹#›</a:t>
             </a:fld>
             <a:endParaRPr lang="en-US"/>
           </a:p>
         </p:txBody>
       </p:sp>
     </p:spTree>
-    <p:extLst>
-      <p:ext uri="{BB962C8B-B14F-4D97-AF65-F5344CB8AC3E}">
-        <p14:creationId xmlns:p14="http://schemas.microsoft.com/office/powerpoint/2010/main" val="1257994142"/>
-      </p:ext>
-    </p:extLst>
+    <p:extLst/>
   </p:cSld>
   <p:clrMapOvr>
     <a:masterClrMapping/>
@@ -3805,7 +3818,7 @@
           <a:p>
             <a:fld id="{9F9CFCDA-76FF-C942-8304-6FF0EF7EF019}" type="datetime1">
               <a:rPr lang="en-US" smtClean="0"/>
-              <a:t>11/20/2015</a:t>
+              <a:t>2/11/17</a:t>
             </a:fld>
             <a:endParaRPr lang="en-US"/>
           </a:p>
@@ -3851,18 +3864,14 @@
           <a:p>
             <a:fld id="{4382A7F7-08BF-4252-8141-63FB96055BBB}" type="slidenum">
               <a:rPr lang="en-US" smtClean="0"/>
-              <a:t>‹nº›</a:t>
+              <a:t>‹#›</a:t>
             </a:fld>
             <a:endParaRPr lang="en-US"/>
           </a:p>
         </p:txBody>
       </p:sp>
     </p:spTree>
-    <p:extLst>
-      <p:ext uri="{BB962C8B-B14F-4D97-AF65-F5344CB8AC3E}">
-        <p14:creationId xmlns:p14="http://schemas.microsoft.com/office/powerpoint/2010/main" val="1131039879"/>
-      </p:ext>
-    </p:extLst>
+    <p:extLst/>
   </p:cSld>
   <p:clrMapOvr>
     <a:masterClrMapping/>
@@ -3871,7 +3880,7 @@
 </file>
 
 <file path=ppt/slideMasters/slideMaster1.xml><?xml version="1.0" encoding="utf-8"?>
-<p:sldMaster xmlns:a="http://schemas.openxmlformats.org/drawingml/2006/main" xmlns:r="http://schemas.openxmlformats.org/officeDocument/2006/relationships" xmlns:p="http://schemas.openxmlformats.org/presentationml/2006/main">
+<p:sldMaster xmlns:a="http://schemas.openxmlformats.org/drawingml/2006/main" xmlns:r="http://schemas.openxmlformats.org/officeDocument/2006/relationships" xmlns:p="http://schemas.openxmlformats.org/presentationml/2006/main" preserve="1">
   <p:cSld>
     <p:bg>
       <p:bgRef idx="1001">
@@ -4098,7 +4107,7 @@
           <a:p>
             <a:fld id="{0604F77D-FCB8-A946-86A9-D14BD65D0D3D}" type="datetime1">
               <a:rPr lang="en-US" smtClean="0"/>
-              <a:t>11/20/2015</a:t>
+              <a:t>2/11/17</a:t>
             </a:fld>
             <a:endParaRPr lang="en-US" dirty="0"/>
           </a:p>
@@ -4176,7 +4185,7 @@
           <a:p>
             <a:fld id="{4382A7F7-08BF-4252-8141-63FB96055BBB}" type="slidenum">
               <a:rPr lang="en-US" smtClean="0"/>
-              <a:t>‹nº›</a:t>
+              <a:t>‹#›</a:t>
             </a:fld>
             <a:endParaRPr lang="en-US"/>
           </a:p>
@@ -4224,7 +4233,7 @@
         <p:nvSpPr>
           <p:cNvPr id="11" name="Rectangle 10"/>
           <p:cNvSpPr/>
-          <p:nvPr userDrawn="1"/>
+          <p:nvPr/>
         </p:nvSpPr>
         <p:spPr>
           <a:xfrm>
@@ -4258,26 +4267,64 @@
           </a:fontRef>
         </p:style>
       </p:sp>
+      <p:sp>
+        <p:nvSpPr>
+          <p:cNvPr id="12" name="Rectangle 11"/>
+          <p:cNvSpPr/>
+          <p:nvPr userDrawn="1"/>
+        </p:nvSpPr>
+        <p:spPr>
+          <a:xfrm>
+            <a:off x="4487333" y="6334315"/>
+            <a:ext cx="4656667" cy="92382"/>
+          </a:xfrm>
+          <a:prstGeom prst="rect">
+            <a:avLst/>
+          </a:prstGeom>
+          <a:solidFill>
+            <a:srgbClr val="7030A0"/>
+          </a:solidFill>
+          <a:ln>
+            <a:noFill/>
+          </a:ln>
+        </p:spPr>
+        <p:style>
+          <a:lnRef idx="2">
+            <a:schemeClr val="accent1">
+              <a:shade val="50000"/>
+            </a:schemeClr>
+          </a:lnRef>
+          <a:fillRef idx="1">
+            <a:schemeClr val="accent1"/>
+          </a:fillRef>
+          <a:effectRef idx="0">
+            <a:schemeClr val="accent1"/>
+          </a:effectRef>
+          <a:fontRef idx="minor">
+            <a:schemeClr val="lt1"/>
+          </a:fontRef>
+        </p:style>
+      </p:sp>
     </p:spTree>
     <p:extLst>
       <p:ext uri="{BB962C8B-B14F-4D97-AF65-F5344CB8AC3E}">
-        <p14:creationId xmlns:p14="http://schemas.microsoft.com/office/powerpoint/2010/main" val="598935715"/>
+        <p14:creationId xmlns:p14="http://schemas.microsoft.com/office/powerpoint/2010/main" val="395768524"/>
       </p:ext>
     </p:extLst>
   </p:cSld>
   <p:clrMap bg1="lt1" tx1="dk1" bg2="lt2" tx2="dk2" accent1="accent1" accent2="accent2" accent3="accent3" accent4="accent4" accent5="accent5" accent6="accent6" hlink="hlink" folHlink="folHlink"/>
   <p:sldLayoutIdLst>
-    <p:sldLayoutId id="2147483836" r:id="rId1"/>
-    <p:sldLayoutId id="2147483837" r:id="rId2"/>
-    <p:sldLayoutId id="2147483838" r:id="rId3"/>
-    <p:sldLayoutId id="2147483839" r:id="rId4"/>
-    <p:sldLayoutId id="2147483840" r:id="rId5"/>
-    <p:sldLayoutId id="2147483841" r:id="rId6"/>
-    <p:sldLayoutId id="2147483842" r:id="rId7"/>
-    <p:sldLayoutId id="2147483843" r:id="rId8"/>
-    <p:sldLayoutId id="2147483844" r:id="rId9"/>
-    <p:sldLayoutId id="2147483845" r:id="rId10"/>
-    <p:sldLayoutId id="2147483846" r:id="rId11"/>
+    <p:sldLayoutId id="2147483848" r:id="rId1"/>
+    <p:sldLayoutId id="2147483849" r:id="rId2"/>
+    <p:sldLayoutId id="2147483850" r:id="rId3"/>
+    <p:sldLayoutId id="2147483851" r:id="rId4"/>
+    <p:sldLayoutId id="2147483852" r:id="rId5"/>
+    <p:sldLayoutId id="2147483853" r:id="rId6"/>
+    <p:sldLayoutId id="2147483854" r:id="rId7"/>
+    <p:sldLayoutId id="2147483855" r:id="rId8"/>
+    <p:sldLayoutId id="2147483856" r:id="rId9"/>
+    <p:sldLayoutId id="2147483857" r:id="rId10"/>
+    <p:sldLayoutId id="2147483858" r:id="rId11"/>
   </p:sldLayoutIdLst>
   <p:hf hdr="0" dt="0"/>
   <p:txStyles>
@@ -4678,7 +4725,7 @@
         <p:spPr/>
         <p:txBody>
           <a:bodyPr>
-            <a:normAutofit fontScale="90000"/>
+            <a:normAutofit/>
           </a:bodyPr>
           <a:lstStyle/>
           <a:p>
@@ -4715,6 +4762,35 @@
           </a:p>
         </p:txBody>
       </p:sp>
+      <p:pic>
+        <p:nvPicPr>
+          <p:cNvPr id="4" name="Picture 3"/>
+          <p:cNvPicPr>
+            <a:picLocks noChangeAspect="1"/>
+          </p:cNvPicPr>
+          <p:nvPr/>
+        </p:nvPicPr>
+        <p:blipFill rotWithShape="1">
+          <a:blip r:embed="rId2">
+            <a:extLst>
+              <a:ext uri="{28A0092B-C50C-407E-A947-70E740481C1C}">
+                <a14:useLocalDpi xmlns:a14="http://schemas.microsoft.com/office/drawing/2010/main" val="0"/>
+              </a:ext>
+            </a:extLst>
+          </a:blip>
+          <a:srcRect l="4523" t="17619" r="3095" b="25000"/>
+          <a:stretch/>
+        </p:blipFill>
+        <p:spPr>
+          <a:xfrm>
+            <a:off x="3711108" y="4592409"/>
+            <a:ext cx="1700816" cy="1056435"/>
+          </a:xfrm>
+          <a:prstGeom prst="rect">
+            <a:avLst/>
+          </a:prstGeom>
+        </p:spPr>
+      </p:pic>
     </p:spTree>
     <p:extLst>
       <p:ext uri="{BB962C8B-B14F-4D97-AF65-F5344CB8AC3E}">
@@ -4799,52 +4875,6 @@
           </a:p>
         </p:txBody>
       </p:sp>
-      <p:sp>
-        <p:nvSpPr>
-          <p:cNvPr id="4" name="Footer Placeholder 3"/>
-          <p:cNvSpPr>
-            <a:spLocks noGrp="1"/>
-          </p:cNvSpPr>
-          <p:nvPr>
-            <p:ph type="ftr" sz="quarter" idx="11"/>
-          </p:nvPr>
-        </p:nvSpPr>
-        <p:spPr/>
-        <p:txBody>
-          <a:bodyPr/>
-          <a:lstStyle/>
-          <a:p>
-            <a:r>
-              <a:rPr lang="sk-SK" smtClean="0"/>
-              <a:t>© 2015 EV3Lessons.com, Last edit 11/13/2015</a:t>
-            </a:r>
-            <a:endParaRPr lang="en-US"/>
-          </a:p>
-        </p:txBody>
-      </p:sp>
-      <p:sp>
-        <p:nvSpPr>
-          <p:cNvPr id="5" name="Slide Number Placeholder 4"/>
-          <p:cNvSpPr>
-            <a:spLocks noGrp="1"/>
-          </p:cNvSpPr>
-          <p:nvPr>
-            <p:ph type="sldNum" sz="quarter" idx="12"/>
-          </p:nvPr>
-        </p:nvSpPr>
-        <p:spPr/>
-        <p:txBody>
-          <a:bodyPr/>
-          <a:lstStyle/>
-          <a:p>
-            <a:fld id="{4382A7F7-08BF-4252-8141-63FB96055BBB}" type="slidenum">
-              <a:rPr lang="en-US" smtClean="0"/>
-              <a:t>10</a:t>
-            </a:fld>
-            <a:endParaRPr lang="en-US"/>
-          </a:p>
-        </p:txBody>
-      </p:sp>
       <p:pic>
         <p:nvPicPr>
           <p:cNvPr id="9" name="Content Placeholder 8"/>
@@ -4874,6 +4904,52 @@
           </a:xfrm>
         </p:spPr>
       </p:pic>
+      <p:sp>
+        <p:nvSpPr>
+          <p:cNvPr id="4" name="Footer Placeholder 3"/>
+          <p:cNvSpPr>
+            <a:spLocks noGrp="1"/>
+          </p:cNvSpPr>
+          <p:nvPr>
+            <p:ph type="ftr" sz="quarter" idx="11"/>
+          </p:nvPr>
+        </p:nvSpPr>
+        <p:spPr/>
+        <p:txBody>
+          <a:bodyPr/>
+          <a:lstStyle/>
+          <a:p>
+            <a:r>
+              <a:rPr lang="sk-SK" smtClean="0"/>
+              <a:t>© 2015 EV3Lessons.com, Last edit 11/13/2015</a:t>
+            </a:r>
+            <a:endParaRPr lang="en-US"/>
+          </a:p>
+        </p:txBody>
+      </p:sp>
+      <p:sp>
+        <p:nvSpPr>
+          <p:cNvPr id="5" name="Slide Number Placeholder 4"/>
+          <p:cNvSpPr>
+            <a:spLocks noGrp="1"/>
+          </p:cNvSpPr>
+          <p:nvPr>
+            <p:ph type="sldNum" sz="quarter" idx="12"/>
+          </p:nvPr>
+        </p:nvSpPr>
+        <p:spPr/>
+        <p:txBody>
+          <a:bodyPr/>
+          <a:lstStyle/>
+          <a:p>
+            <a:fld id="{4382A7F7-08BF-4252-8141-63FB96055BBB}" type="slidenum">
+              <a:rPr lang="en-US" smtClean="0"/>
+              <a:t>10</a:t>
+            </a:fld>
+            <a:endParaRPr lang="en-US"/>
+          </a:p>
+        </p:txBody>
+      </p:sp>
       <p:sp>
         <p:nvSpPr>
           <p:cNvPr id="10" name="TextBox 9"/>
@@ -6605,61 +6681,21 @@
             </a:r>
             <a:r>
               <a:rPr lang="en-US" dirty="0" smtClean="0"/>
-              <a:t> Sanjay and Arvind </a:t>
-            </a:r>
-            <a:r>
-              <a:rPr lang="en-US" dirty="0" err="1" smtClean="0"/>
+              <a:t> Sanjay and </a:t>
+            </a:r>
+            <a:r>
+              <a:rPr lang="en-US" smtClean="0"/>
+              <a:t>Arvind </a:t>
+            </a:r>
+            <a:r>
+              <a:rPr lang="en-US" smtClean="0"/>
               <a:t>Seshan</a:t>
             </a:r>
-            <a:r>
-              <a:rPr lang="en-US" dirty="0" smtClean="0"/>
-              <a:t> da Droids Robotics.  Para </a:t>
-            </a:r>
-            <a:r>
-              <a:rPr lang="en-US" dirty="0" err="1" smtClean="0"/>
-              <a:t>contatar</a:t>
-            </a:r>
-            <a:r>
-              <a:rPr lang="en-US" dirty="0" smtClean="0"/>
-              <a:t> </a:t>
-            </a:r>
-            <a:r>
-              <a:rPr lang="en-US" dirty="0" err="1" smtClean="0"/>
-              <a:t>os</a:t>
-            </a:r>
-            <a:r>
-              <a:rPr lang="en-US" dirty="0" smtClean="0"/>
-              <a:t> </a:t>
-            </a:r>
-            <a:r>
-              <a:rPr lang="en-US" dirty="0" err="1" smtClean="0"/>
-              <a:t>autores</a:t>
-            </a:r>
-            <a:r>
-              <a:rPr lang="en-US" dirty="0" smtClean="0"/>
-              <a:t>, </a:t>
-            </a:r>
-            <a:r>
-              <a:rPr lang="en-US" dirty="0" err="1" smtClean="0"/>
-              <a:t>mande</a:t>
-            </a:r>
-            <a:r>
-              <a:rPr lang="en-US" dirty="0" smtClean="0"/>
-              <a:t> um email </a:t>
-            </a:r>
-            <a:r>
-              <a:rPr lang="en-US" dirty="0" err="1" smtClean="0"/>
-              <a:t>para</a:t>
-            </a:r>
-            <a:r>
-              <a:rPr lang="en-US" dirty="0" smtClean="0"/>
-              <a:t> team@droidsrobotics.org</a:t>
-            </a:r>
           </a:p>
           <a:p>
             <a:pPr lvl="1"/>
             <a:r>
-              <a:rPr lang="en-US" dirty="0" err="1" smtClean="0"/>
+              <a:rPr lang="en-US" smtClean="0"/>
               <a:t>Mais</a:t>
             </a:r>
             <a:r>
@@ -11158,12 +11194,7 @@
             <p:ph idx="1"/>
           </p:nvPr>
         </p:nvSpPr>
-        <p:spPr>
-          <a:xfrm>
-            <a:off x="227874" y="1505616"/>
-            <a:ext cx="8596812" cy="4654528"/>
-          </a:xfrm>
-        </p:spPr>
+        <p:spPr/>
         <p:txBody>
           <a:bodyPr/>
           <a:lstStyle/>
@@ -11929,7 +11960,7 @@
 </file>
 
 <file path=ppt/theme/theme1.xml><?xml version="1.0" encoding="utf-8"?>
-<a:theme xmlns:a="http://schemas.openxmlformats.org/drawingml/2006/main" name="Retrospect">
+<a:theme xmlns:a="http://schemas.openxmlformats.org/drawingml/2006/main" name="intermediatev2">
   <a:themeElements>
     <a:clrScheme name="Blue II">
       <a:dk1>
@@ -12205,7 +12236,7 @@
   <a:extraClrSchemeLst/>
   <a:extLst>
     <a:ext uri="{05A4C25C-085E-4340-85A3-A5531E510DB2}">
-      <thm15:themeFamily xmlns:thm15="http://schemas.microsoft.com/office/thememl/2012/main" xmlns="" name="Retrospect" id="{5F128B03-DCCA-4EEB-AB3B-CF2899314A46}" vid="{3F1AAB62-24C6-49D2-8E01-B56FAC9A3DCD}"/>
+      <thm15:themeFamily xmlns:thm15="http://schemas.microsoft.com/office/thememl/2012/main" name="intermediatev2" id="{63F5E447-E8B5-4335-8726-12777BA731C5}" vid="{7C754D33-5435-4000-AB94-F54A58B2A981}"/>
     </a:ext>
   </a:extLst>
 </a:theme>
